--- a/olvetijozsef/olvetijozsef.pptx
+++ b/olvetijozsef/olvetijozsef.pptx
@@ -213,7 +213,7 @@
           <a:p>
             <a:fld id="{2C023A76-3B7E-4969-B65D-7CF2F5754D54}" type="datetimeFigureOut">
               <a:rPr lang="hu-HU" smtClean="0"/>
-              <a:t>2016.05.15.</a:t>
+              <a:t>2016.05.19.</a:t>
             </a:fld>
             <a:endParaRPr lang="hu-HU"/>
           </a:p>
@@ -308,7 +308,6 @@
               <a:rPr lang="hu-HU"/>
               <a:t>Ötödik szint</a:t>
             </a:r>
-            <a:endParaRPr lang="hu-HU"/>
           </a:p>
         </p:txBody>
       </p:sp>
@@ -735,7 +734,7 @@
           <a:p>
             <a:r>
               <a:rPr lang="hu-HU" baseline="0" dirty="0"/>
-              <a:t>A képzéseknél szintén beszélhetünk az alapvető funkciókról, mint létrehozás, módosítás, törlés. Valamint egy összetett funkcióról, a képzési fa kezeléséről, mely lehetőséget ad a képzéshez tartozó tematikák hozzárendelésére, minden egyes képzés esetén.</a:t>
+              <a:t>A képzéseknél szintén beszélhetünk az alapvető funkciókról, mint létrehozás, módosítás, törlés. Valamint egy összetett funkcióról, a képzési fa kezeléséről, mely lehetőséget ad a képzéshez tartozó témakörök hozzárendelésére, minden egyes képzés esetén.</a:t>
             </a:r>
           </a:p>
           <a:p>
@@ -750,23 +749,7 @@
           <a:p>
             <a:r>
               <a:rPr lang="hu-HU" baseline="0" dirty="0"/>
-              <a:t>További funkcióknak a </a:t>
-            </a:r>
-            <a:r>
-              <a:rPr lang="hu-HU" baseline="0" dirty="0" err="1"/>
-              <a:t>responsive</a:t>
-            </a:r>
-            <a:r>
-              <a:rPr lang="hu-HU" baseline="0" dirty="0"/>
-              <a:t> menüt és auditálást emelném ki. A </a:t>
-            </a:r>
-            <a:r>
-              <a:rPr lang="hu-HU" baseline="0" dirty="0" err="1"/>
-              <a:t>responsive</a:t>
-            </a:r>
-            <a:r>
-              <a:rPr lang="hu-HU" baseline="0" dirty="0"/>
-              <a:t> menüt nem magyaráznám túl, fontos volt hogy kisebb képernyőn is kényelmesen használható legyen az alkalmazás, gondolom mostanra már mindenki kipróbálta és jó esetben még működött is. :D </a:t>
+              <a:t>További funkcióknak a responsive menüt és auditálást emelném ki. A responsive menüt nem magyaráznám túl, fontos volt hogy kisebb képernyőn is kényelmesen használható legyen az alkalmazás, gondolom mostanra már mindenki kipróbálta és jó esetben még működött is. :D </a:t>
             </a:r>
           </a:p>
           <a:p>
@@ -876,7 +859,7 @@
           <a:p>
             <a:r>
               <a:rPr lang="hu-HU" dirty="0"/>
-              <a:t>A munka során napi szinten több kisebb probléma is felmerült, melyet viszonylag hamar és önállóan sikerült is orvosolni.</a:t>
+              <a:t>A munka során napi szinten több kisebb probléma is felmerült, melyet viszonylag hamar és önállóan sikerült orvosolni. De voltak nagyobb akadályok is melyekkel meg kellett küzdeni. </a:t>
             </a:r>
           </a:p>
           <a:p>
@@ -885,96 +868,75 @@
           <a:p>
             <a:r>
               <a:rPr lang="hu-HU" dirty="0"/>
-              <a:t>De voltak nagyobb problémák és kihívások is melyek közül néhányat emelnék</a:t>
+              <a:t>Többek között talán a legkihívás teljesebb feladat a képzések</a:t>
             </a:r>
             <a:r>
               <a:rPr lang="hu-HU" baseline="0" dirty="0"/>
-              <a:t> ki.</a:t>
-            </a:r>
+              <a:t> témaköreinek Primefaces fa komponens által történő kezelése volt. Itt több dologgal is meg kellett birkózni, egyrészt a komponens kicsit nehezen kezelte az üres fába történő beszúrást. Másrészt figyelnem kellett arra, hogy minden témakör maximum 1 mélységben ágyazható egymásba.</a:t>
+            </a:r>
+          </a:p>
+          <a:p>
+            <a:endParaRPr lang="hu-HU" baseline="0" dirty="0"/>
+          </a:p>
+          <a:p>
+            <a:r>
+              <a:rPr lang="hu-HU" baseline="0" dirty="0"/>
+              <a:t>Csapat szinten lelkesen küzdöttünk a </a:t>
+            </a:r>
+            <a:r>
+              <a:rPr lang="hu-HU" baseline="0" dirty="0" err="1"/>
+              <a:t>Maven</a:t>
+            </a:r>
+            <a:r>
+              <a:rPr lang="hu-HU" baseline="0" dirty="0"/>
+              <a:t> függőségek hatásköreinek megfelelő beállításaival, valamint az EJB-k tesztelhetőségéhez szükséges beállításokkal.</a:t>
+            </a:r>
+          </a:p>
+          <a:p>
+            <a:endParaRPr lang="hu-HU" baseline="0" dirty="0"/>
+          </a:p>
+          <a:p>
+            <a:r>
+              <a:rPr lang="hu-HU" baseline="0" dirty="0"/>
+              <a:t>Néha már a figyelmetlenség vagy a fáradtság is hibákat hozott, megesett hogy egy-egy </a:t>
+            </a:r>
+            <a:r>
+              <a:rPr lang="hu-HU" baseline="0" dirty="0" err="1"/>
+              <a:t>getter-setter</a:t>
+            </a:r>
+            <a:r>
+              <a:rPr lang="hu-HU" baseline="0" dirty="0"/>
+              <a:t> metódus hiánya okozott több kellemetlen percet vagy órát.</a:t>
+            </a:r>
+          </a:p>
+          <a:p>
+            <a:endParaRPr lang="hu-HU" dirty="0"/>
+          </a:p>
+          <a:p>
             <a:r>
               <a:rPr lang="hu-HU" dirty="0"/>
-              <a:t> </a:t>
-            </a:r>
-          </a:p>
-          <a:p>
-            <a:endParaRPr lang="hu-HU" dirty="0"/>
-          </a:p>
-          <a:p>
-            <a:r>
-              <a:rPr lang="hu-HU" dirty="0"/>
-              <a:t>Először is talán az egyik legbosszantóbb probléma melybe belefutottam a </a:t>
-            </a:r>
-            <a:r>
-              <a:rPr lang="hu-HU" dirty="0" err="1"/>
-              <a:t>Primefaces</a:t>
-            </a:r>
-            <a:r>
-              <a:rPr lang="hu-HU" dirty="0"/>
-              <a:t> fa komponens használata a képzések esetén, a fő problémát az üres fába történő</a:t>
-            </a:r>
-          </a:p>
-          <a:p>
-            <a:r>
-              <a:rPr lang="hu-HU" dirty="0"/>
-              <a:t>beszúrás</a:t>
+              <a:t>Számtalan kihívás rejtőzött az</a:t>
             </a:r>
             <a:r>
               <a:rPr lang="hu-HU" baseline="0" dirty="0"/>
-              <a:t> </a:t>
-            </a:r>
-            <a:r>
-              <a:rPr lang="hu-HU" dirty="0"/>
-              <a:t>adata, melyet végül kellően sok munkaóra után sikerült megoldani.</a:t>
-            </a:r>
-          </a:p>
-          <a:p>
-            <a:endParaRPr lang="hu-HU" dirty="0"/>
-          </a:p>
-          <a:p>
-            <a:r>
-              <a:rPr lang="hu-HU" dirty="0"/>
-              <a:t>A másik kihívásokkal</a:t>
+              <a:t> oldal responsive menüjének és </a:t>
+            </a:r>
+            <a:r>
+              <a:rPr lang="hu-HU" baseline="0" dirty="0" err="1"/>
+              <a:t>színeinek</a:t>
             </a:r>
             <a:r>
               <a:rPr lang="hu-HU" baseline="0" dirty="0"/>
-              <a:t> teli feladat </a:t>
-            </a:r>
-            <a:r>
-              <a:rPr lang="hu-HU" dirty="0"/>
-              <a:t>az</a:t>
-            </a:r>
+              <a:t> megválasztásában, több változat kipróbálása után vált csak igazán tökéletessé.</a:t>
+            </a:r>
+          </a:p>
+          <a:p>
+            <a:endParaRPr lang="hu-HU" baseline="0" dirty="0"/>
+          </a:p>
+          <a:p>
             <a:r>
               <a:rPr lang="hu-HU" baseline="0" dirty="0"/>
-              <a:t> ideális </a:t>
-            </a:r>
-            <a:r>
-              <a:rPr lang="hu-HU" dirty="0" err="1"/>
-              <a:t>responsive</a:t>
-            </a:r>
-            <a:r>
-              <a:rPr lang="hu-HU" dirty="0"/>
-              <a:t> menü létrehozása és az oldal </a:t>
-            </a:r>
-            <a:r>
-              <a:rPr lang="hu-HU" dirty="0" err="1"/>
-              <a:t>színeinek</a:t>
-            </a:r>
-            <a:r>
-              <a:rPr lang="hu-HU" dirty="0"/>
-              <a:t> megfelelő megválasztása</a:t>
-            </a:r>
-            <a:r>
-              <a:rPr lang="hu-HU" baseline="0" dirty="0"/>
-              <a:t> volt. Végül sokadik alkalomra éreztem azt hogy sikerült olyan megoldást és színeket találni amely már elfogadható és vállalható is. </a:t>
-            </a:r>
-          </a:p>
-          <a:p>
-            <a:endParaRPr lang="hu-HU" baseline="0" dirty="0"/>
-          </a:p>
-          <a:p>
-            <a:r>
-              <a:rPr lang="hu-HU" baseline="0" dirty="0"/>
-              <a:t>Végül de nem utolsó sorban az egyetemi feladatokkal is haladni kellett, amely így nagyobb összpontosítást és rendezettséget követelt.</a:t>
+              <a:t>Végül de nem utolsó sorban az egyetemi teendőket sem volt szabad elhanyagolnom így egy sikeres szorgalmi időszak után reményteli vizsgaidőszak következhet.</a:t>
             </a:r>
             <a:endParaRPr lang="hu-HU" dirty="0"/>
           </a:p>
@@ -1073,16 +1035,7 @@
             </a:r>
             <a:r>
               <a:rPr lang="hu-HU" dirty="0"/>
-              <a:t>találatainak száma.</a:t>
-            </a:r>
-          </a:p>
-          <a:p>
-            <a:endParaRPr lang="hu-HU" dirty="0"/>
-          </a:p>
-          <a:p>
-            <a:r>
-              <a:rPr lang="hu-HU" dirty="0"/>
-              <a:t>Valamint</a:t>
+              <a:t>találatainak száma. Ezen túlmenően</a:t>
             </a:r>
             <a:r>
               <a:rPr lang="hu-HU" baseline="0" dirty="0"/>
@@ -1097,12 +1050,6 @@
               <a:t> akár online vagy a heti megbeszélések alkalmával.</a:t>
             </a:r>
             <a:endParaRPr lang="hu-HU" dirty="0"/>
-          </a:p>
-          <a:p>
-            <a:r>
-              <a:rPr lang="hu-HU" dirty="0"/>
-              <a:t>Többek között a fa komponens problémáját is javaslataikat tovább gondolva sikerült megoldanom.</a:t>
-            </a:r>
           </a:p>
         </p:txBody>
       </p:sp>
@@ -1207,7 +1154,7 @@
           <a:p>
             <a:r>
               <a:rPr lang="hu-HU" baseline="0" dirty="0"/>
-              <a:t>A képzés egyik pozitív hatását már időközben megéreztem, a szerzett tudást rögtön hasznosíthattam, egy ezzel párhuzamos egyetemi </a:t>
+              <a:t>A képzés pozitív hatását már időközben megéreztem, a szerzett tudást rögtön hasznosíthattam, egy ezzel párhuzamos egyetemi </a:t>
             </a:r>
             <a:r>
               <a:rPr lang="hu-HU" baseline="0" dirty="0" err="1"/>
@@ -1216,6 +1163,24 @@
             <a:r>
               <a:rPr lang="hu-HU" baseline="0" dirty="0"/>
               <a:t> projekt keretein belül is. </a:t>
+            </a:r>
+          </a:p>
+          <a:p>
+            <a:endParaRPr lang="hu-HU" baseline="0" dirty="0"/>
+          </a:p>
+          <a:p>
+            <a:r>
+              <a:rPr lang="hu-HU" baseline="0" dirty="0"/>
+              <a:t>Összességében véleményem szerint a csapat jó munkát végzett és lelkesedésben nem volt hiány. Most pedig átadnám a szót a tesztekkel foglalkozó csapatnak.</a:t>
+            </a:r>
+          </a:p>
+          <a:p>
+            <a:endParaRPr lang="hu-HU" baseline="0" dirty="0"/>
+          </a:p>
+          <a:p>
+            <a:r>
+              <a:rPr lang="hu-HU" baseline="0" dirty="0"/>
+              <a:t>Köszönöm a figyelmet!</a:t>
             </a:r>
           </a:p>
         </p:txBody>
@@ -1471,7 +1436,7 @@
           <a:p>
             <a:fld id="{C6E8B002-83F0-41C5-A7B7-2819A96BD9B2}" type="datetimeFigureOut">
               <a:rPr lang="hu-HU" smtClean="0"/>
-              <a:t>2016.05.15.</a:t>
+              <a:t>2016.05.19.</a:t>
             </a:fld>
             <a:endParaRPr lang="hu-HU"/>
           </a:p>
@@ -1641,7 +1606,7 @@
           <a:p>
             <a:fld id="{C6E8B002-83F0-41C5-A7B7-2819A96BD9B2}" type="datetimeFigureOut">
               <a:rPr lang="hu-HU" smtClean="0"/>
-              <a:t>2016.05.15.</a:t>
+              <a:t>2016.05.19.</a:t>
             </a:fld>
             <a:endParaRPr lang="hu-HU"/>
           </a:p>
@@ -1821,7 +1786,7 @@
           <a:p>
             <a:fld id="{C6E8B002-83F0-41C5-A7B7-2819A96BD9B2}" type="datetimeFigureOut">
               <a:rPr lang="hu-HU" smtClean="0"/>
-              <a:t>2016.05.15.</a:t>
+              <a:t>2016.05.19.</a:t>
             </a:fld>
             <a:endParaRPr lang="hu-HU"/>
           </a:p>
@@ -1991,7 +1956,7 @@
           <a:p>
             <a:fld id="{C6E8B002-83F0-41C5-A7B7-2819A96BD9B2}" type="datetimeFigureOut">
               <a:rPr lang="hu-HU" smtClean="0"/>
-              <a:t>2016.05.15.</a:t>
+              <a:t>2016.05.19.</a:t>
             </a:fld>
             <a:endParaRPr lang="hu-HU"/>
           </a:p>
@@ -2235,7 +2200,7 @@
           <a:p>
             <a:fld id="{C6E8B002-83F0-41C5-A7B7-2819A96BD9B2}" type="datetimeFigureOut">
               <a:rPr lang="hu-HU" smtClean="0"/>
-              <a:t>2016.05.15.</a:t>
+              <a:t>2016.05.19.</a:t>
             </a:fld>
             <a:endParaRPr lang="hu-HU"/>
           </a:p>
@@ -2467,7 +2432,7 @@
           <a:p>
             <a:fld id="{C6E8B002-83F0-41C5-A7B7-2819A96BD9B2}" type="datetimeFigureOut">
               <a:rPr lang="hu-HU" smtClean="0"/>
-              <a:t>2016.05.15.</a:t>
+              <a:t>2016.05.19.</a:t>
             </a:fld>
             <a:endParaRPr lang="hu-HU"/>
           </a:p>
@@ -2834,7 +2799,7 @@
           <a:p>
             <a:fld id="{C6E8B002-83F0-41C5-A7B7-2819A96BD9B2}" type="datetimeFigureOut">
               <a:rPr lang="hu-HU" smtClean="0"/>
-              <a:t>2016.05.15.</a:t>
+              <a:t>2016.05.19.</a:t>
             </a:fld>
             <a:endParaRPr lang="hu-HU"/>
           </a:p>
@@ -2952,7 +2917,7 @@
           <a:p>
             <a:fld id="{C6E8B002-83F0-41C5-A7B7-2819A96BD9B2}" type="datetimeFigureOut">
               <a:rPr lang="hu-HU" smtClean="0"/>
-              <a:t>2016.05.15.</a:t>
+              <a:t>2016.05.19.</a:t>
             </a:fld>
             <a:endParaRPr lang="hu-HU"/>
           </a:p>
@@ -3047,7 +3012,7 @@
           <a:p>
             <a:fld id="{C6E8B002-83F0-41C5-A7B7-2819A96BD9B2}" type="datetimeFigureOut">
               <a:rPr lang="hu-HU" smtClean="0"/>
-              <a:t>2016.05.15.</a:t>
+              <a:t>2016.05.19.</a:t>
             </a:fld>
             <a:endParaRPr lang="hu-HU"/>
           </a:p>
@@ -3324,7 +3289,7 @@
           <a:p>
             <a:fld id="{C6E8B002-83F0-41C5-A7B7-2819A96BD9B2}" type="datetimeFigureOut">
               <a:rPr lang="hu-HU" smtClean="0"/>
-              <a:t>2016.05.15.</a:t>
+              <a:t>2016.05.19.</a:t>
             </a:fld>
             <a:endParaRPr lang="hu-HU"/>
           </a:p>
@@ -3581,7 +3546,7 @@
           <a:p>
             <a:fld id="{C6E8B002-83F0-41C5-A7B7-2819A96BD9B2}" type="datetimeFigureOut">
               <a:rPr lang="hu-HU" smtClean="0"/>
-              <a:t>2016.05.15.</a:t>
+              <a:t>2016.05.19.</a:t>
             </a:fld>
             <a:endParaRPr lang="hu-HU"/>
           </a:p>
@@ -3801,7 +3766,7 @@
           <a:p>
             <a:fld id="{C6E8B002-83F0-41C5-A7B7-2819A96BD9B2}" type="datetimeFigureOut">
               <a:rPr lang="hu-HU" smtClean="0"/>
-              <a:t>2016.05.15.</a:t>
+              <a:t>2016.05.19.</a:t>
             </a:fld>
             <a:endParaRPr lang="hu-HU"/>
           </a:p>
@@ -4394,17 +4359,13 @@
           <a:p>
             <a:r>
               <a:rPr lang="hu-HU" dirty="0"/>
-              <a:t>Felhasználói csoport és Képzés funkciók</a:t>
-            </a:r>
-          </a:p>
-          <a:p>
-            <a:r>
-              <a:rPr lang="hu-HU" dirty="0" err="1"/>
-              <a:t>Responsive</a:t>
-            </a:r>
+              <a:t>Felhasználói csoport és Képzés szolgáltatások, képernyők</a:t>
+            </a:r>
+          </a:p>
+          <a:p>
             <a:r>
               <a:rPr lang="hu-HU" dirty="0"/>
-              <a:t> menü</a:t>
+              <a:t>Responsive menü</a:t>
             </a:r>
           </a:p>
           <a:p>
@@ -4493,31 +4454,29 @@
           <a:p>
             <a:r>
               <a:rPr lang="hu-HU" dirty="0"/>
-              <a:t>Kisebb mindennapos problémák</a:t>
-            </a:r>
-          </a:p>
-          <a:p>
+              <a:t>Képzések kezelése - Primefaces fa komponens használata</a:t>
+            </a:r>
+          </a:p>
+          <a:p>
+            <a:r>
+              <a:rPr lang="hu-HU" dirty="0" err="1"/>
+              <a:t>Maven</a:t>
+            </a:r>
             <a:r>
               <a:rPr lang="hu-HU" dirty="0"/>
-              <a:t>Képzéseknél a </a:t>
-            </a:r>
-            <a:r>
-              <a:rPr lang="hu-HU" dirty="0" err="1"/>
-              <a:t>Primefaces</a:t>
-            </a:r>
+              <a:t>, EJB tesztelhetőség</a:t>
+            </a:r>
+          </a:p>
+          <a:p>
             <a:r>
               <a:rPr lang="hu-HU" dirty="0"/>
-              <a:t> fa komponens használata, üres fába nem lehet pakolni</a:t>
-            </a:r>
-          </a:p>
-          <a:p>
-            <a:r>
-              <a:rPr lang="hu-HU" dirty="0" err="1"/>
-              <a:t>Responsive</a:t>
-            </a:r>
+              <a:t>Saját figyelmetlenség, fáradtság</a:t>
+            </a:r>
+          </a:p>
+          <a:p>
             <a:r>
               <a:rPr lang="hu-HU" dirty="0"/>
-              <a:t> menü, oldal színek többszöri változtatása</a:t>
+              <a:t>Responsive menü</a:t>
             </a:r>
           </a:p>
           <a:p>

--- a/olvetijozsef/olvetijozsef.pptx
+++ b/olvetijozsef/olvetijozsef.pptx
@@ -213,7 +213,7 @@
           <a:p>
             <a:fld id="{2C023A76-3B7E-4969-B65D-7CF2F5754D54}" type="datetimeFigureOut">
               <a:rPr lang="hu-HU" smtClean="0"/>
-              <a:t>2016.05.19.</a:t>
+              <a:t>2016.05.20.</a:t>
             </a:fld>
             <a:endParaRPr lang="hu-HU"/>
           </a:p>
@@ -889,7 +889,23 @@
             </a:r>
             <a:r>
               <a:rPr lang="hu-HU" baseline="0" dirty="0"/>
-              <a:t> függőségek hatásköreinek megfelelő beállításaival, valamint az EJB-k tesztelhetőségéhez szükséges beállításokkal.</a:t>
+              <a:t> függőségek hatásköreinek ideális megtalálásával, valamint az EJB-k </a:t>
+            </a:r>
+            <a:r>
+              <a:rPr lang="hu-HU" baseline="0" dirty="0" err="1"/>
+              <a:t>JUnit</a:t>
+            </a:r>
+            <a:r>
+              <a:rPr lang="hu-HU" baseline="0" dirty="0"/>
+              <a:t> tesztelhetőségéhez szükséges beállításokkal. Ez féltávon egy teljes csomag </a:t>
+            </a:r>
+            <a:r>
+              <a:rPr lang="hu-HU" baseline="0" dirty="0" err="1"/>
+              <a:t>refaktort</a:t>
+            </a:r>
+            <a:r>
+              <a:rPr lang="hu-HU" baseline="0" dirty="0"/>
+              <a:t> is követelt.</a:t>
             </a:r>
           </a:p>
           <a:p>
@@ -1436,7 +1452,7 @@
           <a:p>
             <a:fld id="{C6E8B002-83F0-41C5-A7B7-2819A96BD9B2}" type="datetimeFigureOut">
               <a:rPr lang="hu-HU" smtClean="0"/>
-              <a:t>2016.05.19.</a:t>
+              <a:t>2016.05.20.</a:t>
             </a:fld>
             <a:endParaRPr lang="hu-HU"/>
           </a:p>
@@ -1606,7 +1622,7 @@
           <a:p>
             <a:fld id="{C6E8B002-83F0-41C5-A7B7-2819A96BD9B2}" type="datetimeFigureOut">
               <a:rPr lang="hu-HU" smtClean="0"/>
-              <a:t>2016.05.19.</a:t>
+              <a:t>2016.05.20.</a:t>
             </a:fld>
             <a:endParaRPr lang="hu-HU"/>
           </a:p>
@@ -1786,7 +1802,7 @@
           <a:p>
             <a:fld id="{C6E8B002-83F0-41C5-A7B7-2819A96BD9B2}" type="datetimeFigureOut">
               <a:rPr lang="hu-HU" smtClean="0"/>
-              <a:t>2016.05.19.</a:t>
+              <a:t>2016.05.20.</a:t>
             </a:fld>
             <a:endParaRPr lang="hu-HU"/>
           </a:p>
@@ -1956,7 +1972,7 @@
           <a:p>
             <a:fld id="{C6E8B002-83F0-41C5-A7B7-2819A96BD9B2}" type="datetimeFigureOut">
               <a:rPr lang="hu-HU" smtClean="0"/>
-              <a:t>2016.05.19.</a:t>
+              <a:t>2016.05.20.</a:t>
             </a:fld>
             <a:endParaRPr lang="hu-HU"/>
           </a:p>
@@ -2200,7 +2216,7 @@
           <a:p>
             <a:fld id="{C6E8B002-83F0-41C5-A7B7-2819A96BD9B2}" type="datetimeFigureOut">
               <a:rPr lang="hu-HU" smtClean="0"/>
-              <a:t>2016.05.19.</a:t>
+              <a:t>2016.05.20.</a:t>
             </a:fld>
             <a:endParaRPr lang="hu-HU"/>
           </a:p>
@@ -2432,7 +2448,7 @@
           <a:p>
             <a:fld id="{C6E8B002-83F0-41C5-A7B7-2819A96BD9B2}" type="datetimeFigureOut">
               <a:rPr lang="hu-HU" smtClean="0"/>
-              <a:t>2016.05.19.</a:t>
+              <a:t>2016.05.20.</a:t>
             </a:fld>
             <a:endParaRPr lang="hu-HU"/>
           </a:p>
@@ -2799,7 +2815,7 @@
           <a:p>
             <a:fld id="{C6E8B002-83F0-41C5-A7B7-2819A96BD9B2}" type="datetimeFigureOut">
               <a:rPr lang="hu-HU" smtClean="0"/>
-              <a:t>2016.05.19.</a:t>
+              <a:t>2016.05.20.</a:t>
             </a:fld>
             <a:endParaRPr lang="hu-HU"/>
           </a:p>
@@ -2917,7 +2933,7 @@
           <a:p>
             <a:fld id="{C6E8B002-83F0-41C5-A7B7-2819A96BD9B2}" type="datetimeFigureOut">
               <a:rPr lang="hu-HU" smtClean="0"/>
-              <a:t>2016.05.19.</a:t>
+              <a:t>2016.05.20.</a:t>
             </a:fld>
             <a:endParaRPr lang="hu-HU"/>
           </a:p>
@@ -3012,7 +3028,7 @@
           <a:p>
             <a:fld id="{C6E8B002-83F0-41C5-A7B7-2819A96BD9B2}" type="datetimeFigureOut">
               <a:rPr lang="hu-HU" smtClean="0"/>
-              <a:t>2016.05.19.</a:t>
+              <a:t>2016.05.20.</a:t>
             </a:fld>
             <a:endParaRPr lang="hu-HU"/>
           </a:p>
@@ -3289,7 +3305,7 @@
           <a:p>
             <a:fld id="{C6E8B002-83F0-41C5-A7B7-2819A96BD9B2}" type="datetimeFigureOut">
               <a:rPr lang="hu-HU" smtClean="0"/>
-              <a:t>2016.05.19.</a:t>
+              <a:t>2016.05.20.</a:t>
             </a:fld>
             <a:endParaRPr lang="hu-HU"/>
           </a:p>
@@ -3546,7 +3562,7 @@
           <a:p>
             <a:fld id="{C6E8B002-83F0-41C5-A7B7-2819A96BD9B2}" type="datetimeFigureOut">
               <a:rPr lang="hu-HU" smtClean="0"/>
-              <a:t>2016.05.19.</a:t>
+              <a:t>2016.05.20.</a:t>
             </a:fld>
             <a:endParaRPr lang="hu-HU"/>
           </a:p>
@@ -3766,7 +3782,7 @@
           <a:p>
             <a:fld id="{C6E8B002-83F0-41C5-A7B7-2819A96BD9B2}" type="datetimeFigureOut">
               <a:rPr lang="hu-HU" smtClean="0"/>
-              <a:t>2016.05.19.</a:t>
+              <a:t>2016.05.20.</a:t>
             </a:fld>
             <a:endParaRPr lang="hu-HU"/>
           </a:p>
